--- a/assets/ppt/AboutApplicationID.pptx
+++ b/assets/ppt/AboutApplicationID.pptx
@@ -4841,60 +4841,64 @@
             </a:br>
             <a:r>
               <a:rPr lang="en-US" altLang="ko-KR"/>
-              <a:t>    defaultConfig {</a:t>
+              <a:t>   </a:t>
+            </a:r>
+            <a:r>
+              <a:rPr lang="en-US" altLang="ko-KR" i="1"/>
+              <a:t> defaultConfig {</a:t>
             </a:r>
             <a:br>
-              <a:rPr lang="en-US" altLang="ko-KR"/>
+              <a:rPr lang="en-US" altLang="ko-KR" i="1"/>
             </a:br>
             <a:r>
-              <a:rPr lang="en-US" altLang="ko-KR"/>
+              <a:rPr lang="en-US" altLang="ko-KR" i="1"/>
               <a:t>        applicationId "</a:t>
             </a:r>
             <a:r>
-              <a:rPr lang="en-US" altLang="ko-KR" smtClean="0"/>
+              <a:rPr lang="en-US" altLang="ko-KR" i="1" smtClean="0"/>
               <a:t>com.example.customappid"</a:t>
             </a:r>
             <a:r>
-              <a:rPr lang="en-US" altLang="ko-KR"/>
+              <a:rPr lang="en-US" altLang="ko-KR" i="1"/>
               <a:t/>
             </a:r>
             <a:br>
-              <a:rPr lang="en-US" altLang="ko-KR"/>
+              <a:rPr lang="en-US" altLang="ko-KR" i="1"/>
             </a:br>
             <a:r>
-              <a:rPr lang="en-US" altLang="ko-KR"/>
+              <a:rPr lang="en-US" altLang="ko-KR" i="1"/>
               <a:t>        minSdkVersion 15</a:t>
             </a:r>
             <a:br>
-              <a:rPr lang="en-US" altLang="ko-KR"/>
+              <a:rPr lang="en-US" altLang="ko-KR" i="1"/>
             </a:br>
             <a:r>
-              <a:rPr lang="en-US" altLang="ko-KR"/>
+              <a:rPr lang="en-US" altLang="ko-KR" i="1"/>
               <a:t>        targetSdkVersion 24</a:t>
             </a:r>
             <a:br>
-              <a:rPr lang="en-US" altLang="ko-KR"/>
+              <a:rPr lang="en-US" altLang="ko-KR" i="1"/>
             </a:br>
             <a:r>
-              <a:rPr lang="en-US" altLang="ko-KR"/>
+              <a:rPr lang="en-US" altLang="ko-KR" i="1"/>
               <a:t>        versionCode 1</a:t>
             </a:r>
             <a:br>
-              <a:rPr lang="en-US" altLang="ko-KR"/>
+              <a:rPr lang="en-US" altLang="ko-KR" i="1"/>
             </a:br>
             <a:r>
-              <a:rPr lang="en-US" altLang="ko-KR"/>
+              <a:rPr lang="en-US" altLang="ko-KR" i="1"/>
               <a:t>        versionName "1.0"</a:t>
             </a:r>
             <a:br>
-              <a:rPr lang="en-US" altLang="ko-KR"/>
+              <a:rPr lang="en-US" altLang="ko-KR" i="1"/>
             </a:br>
             <a:r>
-              <a:rPr lang="en-US" altLang="ko-KR"/>
+              <a:rPr lang="en-US" altLang="ko-KR" i="1"/>
               <a:t>    </a:t>
             </a:r>
             <a:r>
-              <a:rPr lang="en-US" altLang="ko-KR" smtClean="0"/>
+              <a:rPr lang="en-US" altLang="ko-KR" i="1" smtClean="0"/>
               <a:t>}</a:t>
             </a:r>
           </a:p>
@@ -5217,7 +5221,6 @@
               <a:rPr lang="en-US" altLang="ko-KR" smtClean="0"/>
               <a:t>. </a:t>
             </a:r>
-            <a:endParaRPr lang="en-US" altLang="ko-KR" smtClean="0"/>
           </a:p>
           <a:p>
             <a:r>
@@ -5272,11 +5275,7 @@
             </a:r>
             <a:r>
               <a:rPr lang="ko-KR" altLang="en-US" b="0"/>
-              <a:t>에서 설명하는 것과 같은 문제에 봉착할 수도 있기 </a:t>
-            </a:r>
-            <a:r>
-              <a:rPr lang="ko-KR" altLang="en-US" b="0"/>
-              <a:t>때문입니다</a:t>
+              <a:t>에서 설명하는 것과 같은 문제에 봉착할 수도 있기 때문입니다</a:t>
             </a:r>
             <a:r>
               <a:rPr lang="en-US" altLang="ko-KR" b="0" smtClean="0"/>
@@ -5372,7 +5371,11 @@
             </a:r>
             <a:r>
               <a:rPr lang="en-US" altLang="ko-KR" smtClean="0"/>
-              <a:t>Application DI </a:t>
+              <a:t>Application </a:t>
+            </a:r>
+            <a:r>
+              <a:rPr lang="en-US" altLang="ko-KR" smtClean="0"/>
+              <a:t>ID</a:t>
             </a:r>
             <a:r>
               <a:rPr lang="ko-KR" altLang="en-US" smtClean="0"/>
